--- a/slides/www/fig1.pptx
+++ b/slides/www/fig1.pptx
@@ -117,6 +117,98 @@
 </p:presentation>
 </file>
 
+<file path=ppt/revisionInfo.xml><?xml version="1.0" encoding="utf-8"?>
+<p1510:revInfo xmlns:a="http://schemas.openxmlformats.org/drawingml/2006/main" xmlns:r="http://schemas.openxmlformats.org/officeDocument/2006/relationships" xmlns:p1510="http://schemas.microsoft.com/office/powerpoint/2015/10/main">
+  <p1510:revLst>
+    <p1510:client id="{588B97FD-01D7-4DA0-8749-DFB2EF02FAFF}" v="1" dt="2026-02-11T14:41:59.182"/>
+  </p1510:revLst>
+</p1510:revInfo>
+</file>
+
+<file path=ppt/changesInfos/changesInfo1.xml><?xml version="1.0" encoding="utf-8"?>
+<pc:chgInfo xmlns:a="http://schemas.openxmlformats.org/drawingml/2006/main" xmlns:r="http://schemas.openxmlformats.org/officeDocument/2006/relationships" xmlns:ac="http://schemas.microsoft.com/office/drawing/2013/main/command" xmlns:pc="http://schemas.microsoft.com/office/powerpoint/2013/main/command">
+  <pc:docChgLst>
+    <pc:chgData name="Schneider, Jürgen" userId="5519bff4-eabd-4b28-994b-a20f0c0b3cb8" providerId="ADAL" clId="{835FF2D8-E79F-4E33-962F-FF11D51705B1}"/>
+    <pc:docChg chg="undo custSel modSld">
+      <pc:chgData name="Schneider, Jürgen" userId="5519bff4-eabd-4b28-994b-a20f0c0b3cb8" providerId="ADAL" clId="{835FF2D8-E79F-4E33-962F-FF11D51705B1}" dt="2026-02-12T10:07:39.043" v="3" actId="2711"/>
+      <pc:docMkLst>
+        <pc:docMk/>
+      </pc:docMkLst>
+      <pc:sldChg chg="modSp mod">
+        <pc:chgData name="Schneider, Jürgen" userId="5519bff4-eabd-4b28-994b-a20f0c0b3cb8" providerId="ADAL" clId="{835FF2D8-E79F-4E33-962F-FF11D51705B1}" dt="2026-02-12T10:07:39.043" v="3" actId="2711"/>
+        <pc:sldMkLst>
+          <pc:docMk/>
+          <pc:sldMk cId="1684347738" sldId="258"/>
+        </pc:sldMkLst>
+        <pc:spChg chg="mod">
+          <ac:chgData name="Schneider, Jürgen" userId="5519bff4-eabd-4b28-994b-a20f0c0b3cb8" providerId="ADAL" clId="{835FF2D8-E79F-4E33-962F-FF11D51705B1}" dt="2026-02-12T10:07:39.043" v="3" actId="2711"/>
+          <ac:spMkLst>
+            <pc:docMk/>
+            <pc:sldMk cId="1684347738" sldId="258"/>
+            <ac:spMk id="45" creationId="{BF0D035A-ED4F-C96A-6C32-D91057FEB62E}"/>
+          </ac:spMkLst>
+        </pc:spChg>
+      </pc:sldChg>
+      <pc:sldChg chg="delSp modSp mod">
+        <pc:chgData name="Schneider, Jürgen" userId="5519bff4-eabd-4b28-994b-a20f0c0b3cb8" providerId="ADAL" clId="{835FF2D8-E79F-4E33-962F-FF11D51705B1}" dt="2026-02-11T14:42:04.361" v="2" actId="1076"/>
+        <pc:sldMkLst>
+          <pc:docMk/>
+          <pc:sldMk cId="907073222" sldId="259"/>
+        </pc:sldMkLst>
+        <pc:spChg chg="mod">
+          <ac:chgData name="Schneider, Jürgen" userId="5519bff4-eabd-4b28-994b-a20f0c0b3cb8" providerId="ADAL" clId="{835FF2D8-E79F-4E33-962F-FF11D51705B1}" dt="2026-02-11T14:41:59.182" v="0" actId="165"/>
+          <ac:spMkLst>
+            <pc:docMk/>
+            <pc:sldMk cId="907073222" sldId="259"/>
+            <ac:spMk id="5" creationId="{1E26F2F3-B1FE-EA15-EB08-AD92B8C7B4E7}"/>
+          </ac:spMkLst>
+        </pc:spChg>
+        <pc:spChg chg="mod topLvl">
+          <ac:chgData name="Schneider, Jürgen" userId="5519bff4-eabd-4b28-994b-a20f0c0b3cb8" providerId="ADAL" clId="{835FF2D8-E79F-4E33-962F-FF11D51705B1}" dt="2026-02-11T14:41:59.182" v="0" actId="165"/>
+          <ac:spMkLst>
+            <pc:docMk/>
+            <pc:sldMk cId="907073222" sldId="259"/>
+            <ac:spMk id="38" creationId="{531A8B11-44AA-8A58-EFE1-DFA722B057F9}"/>
+          </ac:spMkLst>
+        </pc:spChg>
+        <pc:grpChg chg="mod topLvl">
+          <ac:chgData name="Schneider, Jürgen" userId="5519bff4-eabd-4b28-994b-a20f0c0b3cb8" providerId="ADAL" clId="{835FF2D8-E79F-4E33-962F-FF11D51705B1}" dt="2026-02-11T14:42:04.361" v="2" actId="1076"/>
+          <ac:grpSpMkLst>
+            <pc:docMk/>
+            <pc:sldMk cId="907073222" sldId="259"/>
+            <ac:grpSpMk id="22" creationId="{916F5E24-1E3F-7765-1ED4-C6064F1DC19E}"/>
+          </ac:grpSpMkLst>
+        </pc:grpChg>
+        <pc:grpChg chg="del">
+          <ac:chgData name="Schneider, Jürgen" userId="5519bff4-eabd-4b28-994b-a20f0c0b3cb8" providerId="ADAL" clId="{835FF2D8-E79F-4E33-962F-FF11D51705B1}" dt="2026-02-11T14:41:59.182" v="0" actId="165"/>
+          <ac:grpSpMkLst>
+            <pc:docMk/>
+            <pc:sldMk cId="907073222" sldId="259"/>
+            <ac:grpSpMk id="54" creationId="{391966F8-290E-5357-2E4B-03A766E7902D}"/>
+          </ac:grpSpMkLst>
+        </pc:grpChg>
+        <pc:picChg chg="mod">
+          <ac:chgData name="Schneider, Jürgen" userId="5519bff4-eabd-4b28-994b-a20f0c0b3cb8" providerId="ADAL" clId="{835FF2D8-E79F-4E33-962F-FF11D51705B1}" dt="2026-02-11T14:41:59.182" v="0" actId="165"/>
+          <ac:picMkLst>
+            <pc:docMk/>
+            <pc:sldMk cId="907073222" sldId="259"/>
+            <ac:picMk id="9" creationId="{4B1F80CE-D347-6E17-CEE5-F00C8E104DBF}"/>
+          </ac:picMkLst>
+        </pc:picChg>
+        <pc:cxnChg chg="mod topLvl">
+          <ac:chgData name="Schneider, Jürgen" userId="5519bff4-eabd-4b28-994b-a20f0c0b3cb8" providerId="ADAL" clId="{835FF2D8-E79F-4E33-962F-FF11D51705B1}" dt="2026-02-11T14:41:59.182" v="0" actId="165"/>
+          <ac:cxnSpMkLst>
+            <pc:docMk/>
+            <pc:sldMk cId="907073222" sldId="259"/>
+            <ac:cxnSpMk id="51" creationId="{D87D9315-5434-6F29-A9C8-E8A715D44002}"/>
+          </ac:cxnSpMkLst>
+        </pc:cxnChg>
+      </pc:sldChg>
+    </pc:docChg>
+  </pc:docChgLst>
+</pc:chgInfo>
+</file>
+
 <file path=ppt/notesMasters/notesMaster1.xml><?xml version="1.0" encoding="utf-8"?>
 <p:notesMaster xmlns:a="http://schemas.openxmlformats.org/drawingml/2006/main" xmlns:r="http://schemas.openxmlformats.org/officeDocument/2006/relationships" xmlns:p="http://schemas.openxmlformats.org/presentationml/2006/main">
   <p:cSld>
@@ -199,7 +291,7 @@
           <a:p>
             <a:fld id="{23CB041F-0078-45B4-969A-D32D84F82506}" type="datetimeFigureOut">
               <a:rPr lang="de-DE" smtClean="0"/>
-              <a:t>20.12.2024</a:t>
+              <a:t>12.02.2026</a:t>
             </a:fld>
             <a:endParaRPr lang="de-DE"/>
           </a:p>
@@ -906,7 +998,7 @@
           <a:p>
             <a:fld id="{3C8BE5DD-3C13-471B-B49C-0F2C9325405F}" type="datetimeFigureOut">
               <a:rPr lang="de-DE" smtClean="0"/>
-              <a:t>20.12.2024</a:t>
+              <a:t>12.02.2026</a:t>
             </a:fld>
             <a:endParaRPr lang="de-DE"/>
           </a:p>
@@ -1076,7 +1168,7 @@
           <a:p>
             <a:fld id="{3C8BE5DD-3C13-471B-B49C-0F2C9325405F}" type="datetimeFigureOut">
               <a:rPr lang="de-DE" smtClean="0"/>
-              <a:t>20.12.2024</a:t>
+              <a:t>12.02.2026</a:t>
             </a:fld>
             <a:endParaRPr lang="de-DE"/>
           </a:p>
@@ -1256,7 +1348,7 @@
           <a:p>
             <a:fld id="{3C8BE5DD-3C13-471B-B49C-0F2C9325405F}" type="datetimeFigureOut">
               <a:rPr lang="de-DE" smtClean="0"/>
-              <a:t>20.12.2024</a:t>
+              <a:t>12.02.2026</a:t>
             </a:fld>
             <a:endParaRPr lang="de-DE"/>
           </a:p>
@@ -1426,7 +1518,7 @@
           <a:p>
             <a:fld id="{3C8BE5DD-3C13-471B-B49C-0F2C9325405F}" type="datetimeFigureOut">
               <a:rPr lang="de-DE" smtClean="0"/>
-              <a:t>20.12.2024</a:t>
+              <a:t>12.02.2026</a:t>
             </a:fld>
             <a:endParaRPr lang="de-DE"/>
           </a:p>
@@ -1672,7 +1764,7 @@
           <a:p>
             <a:fld id="{3C8BE5DD-3C13-471B-B49C-0F2C9325405F}" type="datetimeFigureOut">
               <a:rPr lang="de-DE" smtClean="0"/>
-              <a:t>20.12.2024</a:t>
+              <a:t>12.02.2026</a:t>
             </a:fld>
             <a:endParaRPr lang="de-DE"/>
           </a:p>
@@ -1904,7 +1996,7 @@
           <a:p>
             <a:fld id="{3C8BE5DD-3C13-471B-B49C-0F2C9325405F}" type="datetimeFigureOut">
               <a:rPr lang="de-DE" smtClean="0"/>
-              <a:t>20.12.2024</a:t>
+              <a:t>12.02.2026</a:t>
             </a:fld>
             <a:endParaRPr lang="de-DE"/>
           </a:p>
@@ -2271,7 +2363,7 @@
           <a:p>
             <a:fld id="{3C8BE5DD-3C13-471B-B49C-0F2C9325405F}" type="datetimeFigureOut">
               <a:rPr lang="de-DE" smtClean="0"/>
-              <a:t>20.12.2024</a:t>
+              <a:t>12.02.2026</a:t>
             </a:fld>
             <a:endParaRPr lang="de-DE"/>
           </a:p>
@@ -2389,7 +2481,7 @@
           <a:p>
             <a:fld id="{3C8BE5DD-3C13-471B-B49C-0F2C9325405F}" type="datetimeFigureOut">
               <a:rPr lang="de-DE" smtClean="0"/>
-              <a:t>20.12.2024</a:t>
+              <a:t>12.02.2026</a:t>
             </a:fld>
             <a:endParaRPr lang="de-DE"/>
           </a:p>
@@ -2484,7 +2576,7 @@
           <a:p>
             <a:fld id="{3C8BE5DD-3C13-471B-B49C-0F2C9325405F}" type="datetimeFigureOut">
               <a:rPr lang="de-DE" smtClean="0"/>
-              <a:t>20.12.2024</a:t>
+              <a:t>12.02.2026</a:t>
             </a:fld>
             <a:endParaRPr lang="de-DE"/>
           </a:p>
@@ -2761,7 +2853,7 @@
           <a:p>
             <a:fld id="{3C8BE5DD-3C13-471B-B49C-0F2C9325405F}" type="datetimeFigureOut">
               <a:rPr lang="de-DE" smtClean="0"/>
-              <a:t>20.12.2024</a:t>
+              <a:t>12.02.2026</a:t>
             </a:fld>
             <a:endParaRPr lang="de-DE"/>
           </a:p>
@@ -3018,7 +3110,7 @@
           <a:p>
             <a:fld id="{3C8BE5DD-3C13-471B-B49C-0F2C9325405F}" type="datetimeFigureOut">
               <a:rPr lang="de-DE" smtClean="0"/>
-              <a:t>20.12.2024</a:t>
+              <a:t>12.02.2026</a:t>
             </a:fld>
             <a:endParaRPr lang="de-DE"/>
           </a:p>
@@ -3231,7 +3323,7 @@
           <a:p>
             <a:fld id="{3C8BE5DD-3C13-471B-B49C-0F2C9325405F}" type="datetimeFigureOut">
               <a:rPr lang="de-DE" smtClean="0"/>
-              <a:t>20.12.2024</a:t>
+              <a:t>12.02.2026</a:t>
             </a:fld>
             <a:endParaRPr lang="de-DE"/>
           </a:p>
@@ -5305,7 +5397,18 @@
                   <a:ea typeface="Open Sans Condensed ExtraBold" pitchFamily="2" charset="0"/>
                   <a:cs typeface="Open Sans Condensed ExtraBold" pitchFamily="2" charset="0"/>
                 </a:rPr>
-                <a:t>System-unabhängig ausführbar</a:t>
+                <a:t>System-unabhängig </a:t>
+              </a:r>
+              <a:r>
+                <a:rPr lang="de-DE" sz="2400" b="1" dirty="0">
+                  <a:solidFill>
+                    <a:schemeClr val="tx2"/>
+                  </a:solidFill>
+                  <a:latin typeface="Open Sans ExtraBold" pitchFamily="2" charset="0"/>
+                  <a:ea typeface="Open Sans ExtraBold" pitchFamily="2" charset="0"/>
+                  <a:cs typeface="Open Sans ExtraBold" pitchFamily="2" charset="0"/>
+                </a:rPr>
+                <a:t>ausführbar</a:t>
               </a:r>
             </a:p>
           </p:txBody>
@@ -6404,10 +6507,10 @@
       </p:grpSpPr>
       <p:grpSp>
         <p:nvGrpSpPr>
-          <p:cNvPr id="54" name="Gruppieren 53">
+          <p:cNvPr id="22" name="Gruppieren 21">
             <a:extLst>
               <a:ext uri="{FF2B5EF4-FFF2-40B4-BE49-F238E27FC236}">
-                <a16:creationId xmlns:a16="http://schemas.microsoft.com/office/drawing/2014/main" id="{391966F8-290E-5357-2E4B-03A766E7902D}"/>
+                <a16:creationId xmlns:a16="http://schemas.microsoft.com/office/drawing/2014/main" id="{916F5E24-1E3F-7765-1ED4-C6064F1DC19E}"/>
               </a:ext>
             </a:extLst>
           </p:cNvPr>
@@ -6416,248 +6519,227 @@
         </p:nvGrpSpPr>
         <p:grpSpPr>
           <a:xfrm>
-            <a:off x="-10336" y="113608"/>
-            <a:ext cx="5740040" cy="2342562"/>
-            <a:chOff x="-107115" y="238512"/>
-            <a:chExt cx="5740040" cy="2342562"/>
+            <a:off x="3387142" y="113608"/>
+            <a:ext cx="2342562" cy="2342562"/>
+            <a:chOff x="113121" y="1923066"/>
+            <a:chExt cx="2121031" cy="2121031"/>
           </a:xfrm>
         </p:grpSpPr>
-        <p:grpSp>
-          <p:nvGrpSpPr>
-            <p:cNvPr id="22" name="Gruppieren 21">
+        <p:sp>
+          <p:nvSpPr>
+            <p:cNvPr id="5" name="Ellipse 4">
               <a:extLst>
                 <a:ext uri="{FF2B5EF4-FFF2-40B4-BE49-F238E27FC236}">
-                  <a16:creationId xmlns:a16="http://schemas.microsoft.com/office/drawing/2014/main" id="{916F5E24-1E3F-7765-1ED4-C6064F1DC19E}"/>
+                  <a16:creationId xmlns:a16="http://schemas.microsoft.com/office/drawing/2014/main" id="{1E26F2F3-B1FE-EA15-EB08-AD92B8C7B4E7}"/>
                 </a:ext>
               </a:extLst>
             </p:cNvPr>
-            <p:cNvGrpSpPr/>
-            <p:nvPr/>
-          </p:nvGrpSpPr>
-          <p:grpSpPr>
-            <a:xfrm>
-              <a:off x="3290363" y="238512"/>
-              <a:ext cx="2342562" cy="2342562"/>
-              <a:chOff x="113121" y="1923066"/>
-              <a:chExt cx="2121031" cy="2121031"/>
-            </a:xfrm>
-          </p:grpSpPr>
-          <p:sp>
-            <p:nvSpPr>
-              <p:cNvPr id="5" name="Ellipse 4">
-                <a:extLst>
-                  <a:ext uri="{FF2B5EF4-FFF2-40B4-BE49-F238E27FC236}">
-                    <a16:creationId xmlns:a16="http://schemas.microsoft.com/office/drawing/2014/main" id="{1E26F2F3-B1FE-EA15-EB08-AD92B8C7B4E7}"/>
-                  </a:ext>
-                </a:extLst>
-              </p:cNvPr>
-              <p:cNvSpPr/>
-              <p:nvPr/>
-            </p:nvSpPr>
-            <p:spPr>
-              <a:xfrm>
-                <a:off x="113121" y="1923066"/>
-                <a:ext cx="2121031" cy="2121031"/>
-              </a:xfrm>
-              <a:prstGeom prst="ellipse">
-                <a:avLst/>
-              </a:prstGeom>
-            </p:spPr>
-            <p:style>
-              <a:lnRef idx="2">
-                <a:schemeClr val="accent1"/>
-              </a:lnRef>
-              <a:fillRef idx="1">
-                <a:schemeClr val="lt1"/>
-              </a:fillRef>
-              <a:effectRef idx="0">
-                <a:schemeClr val="accent1"/>
-              </a:effectRef>
-              <a:fontRef idx="minor">
-                <a:schemeClr val="dk1"/>
-              </a:fontRef>
-            </p:style>
-            <p:txBody>
-              <a:bodyPr wrap="none" rtlCol="0" anchor="ctr"/>
-              <a:lstStyle/>
-              <a:p>
-                <a:pPr algn="ctr"/>
-                <a:endParaRPr lang="de-DE" sz="2400" b="1" dirty="0">
-                  <a:latin typeface="Open Sans Condensed ExtraBold" pitchFamily="2" charset="0"/>
-                  <a:ea typeface="Open Sans Condensed ExtraBold" pitchFamily="2" charset="0"/>
-                  <a:cs typeface="Open Sans Condensed ExtraBold" pitchFamily="2" charset="0"/>
-                </a:endParaRPr>
-              </a:p>
-            </p:txBody>
-          </p:sp>
-          <p:pic>
-            <p:nvPicPr>
-              <p:cNvPr id="9" name="Grafik 8">
-                <a:extLst>
-                  <a:ext uri="{FF2B5EF4-FFF2-40B4-BE49-F238E27FC236}">
-                    <a16:creationId xmlns:a16="http://schemas.microsoft.com/office/drawing/2014/main" id="{4B1F80CE-D347-6E17-CEE5-F00C8E104DBF}"/>
-                  </a:ext>
-                </a:extLst>
-              </p:cNvPr>
-              <p:cNvPicPr>
-                <a:picLocks noChangeAspect="1"/>
-              </p:cNvPicPr>
-              <p:nvPr/>
-            </p:nvPicPr>
-            <p:blipFill>
-              <a:blip r:embed="rId3">
-                <a:extLst>
-                  <a:ext uri="{96DAC541-7B7A-43D3-8B79-37D633B846F1}">
-                    <asvg:svgBlip xmlns:asvg="http://schemas.microsoft.com/office/drawing/2016/SVG/main" r:embed="rId4"/>
-                  </a:ext>
-                </a:extLst>
-              </a:blip>
-              <a:stretch>
-                <a:fillRect/>
-              </a:stretch>
-            </p:blipFill>
-            <p:spPr>
-              <a:xfrm>
-                <a:off x="496080" y="2441537"/>
-                <a:ext cx="1355110" cy="1084088"/>
-              </a:xfrm>
-              <a:prstGeom prst="rect">
-                <a:avLst/>
-              </a:prstGeom>
-            </p:spPr>
-          </p:pic>
-        </p:grpSp>
-        <p:sp>
-          <p:nvSpPr>
-            <p:cNvPr id="38" name="Textfeld 37">
-              <a:extLst>
-                <a:ext uri="{FF2B5EF4-FFF2-40B4-BE49-F238E27FC236}">
-                  <a16:creationId xmlns:a16="http://schemas.microsoft.com/office/drawing/2014/main" id="{531A8B11-44AA-8A58-EFE1-DFA722B057F9}"/>
-                </a:ext>
-              </a:extLst>
-            </p:cNvPr>
-            <p:cNvSpPr txBox="1"/>
+            <p:cNvSpPr/>
             <p:nvPr/>
           </p:nvSpPr>
           <p:spPr>
             <a:xfrm>
-              <a:off x="-107115" y="813860"/>
-              <a:ext cx="2124000" cy="1200329"/>
+              <a:off x="113121" y="1923066"/>
+              <a:ext cx="2121031" cy="2121031"/>
             </a:xfrm>
-            <a:prstGeom prst="rect">
+            <a:prstGeom prst="ellipse">
               <a:avLst/>
             </a:prstGeom>
-            <a:noFill/>
-          </p:spPr>
-          <p:txBody>
-            <a:bodyPr wrap="square">
-              <a:spAutoFit/>
-            </a:bodyPr>
-            <a:lstStyle/>
-            <a:p>
-              <a:pPr algn="r"/>
-              <a:r>
-                <a:rPr lang="de-DE" sz="2400" b="1" dirty="0">
-                  <a:solidFill>
-                    <a:schemeClr val="tx2"/>
-                  </a:solidFill>
-                  <a:latin typeface="Open Sans Condensed ExtraBold" pitchFamily="2" charset="0"/>
-                  <a:ea typeface="Open Sans Condensed ExtraBold" pitchFamily="2" charset="0"/>
-                  <a:cs typeface="Open Sans Condensed ExtraBold" pitchFamily="2" charset="0"/>
-                </a:rPr>
-                <a:t>Austausch</a:t>
-              </a:r>
-              <a:br>
-                <a:rPr lang="de-DE" sz="2400" b="1" dirty="0">
-                  <a:solidFill>
-                    <a:schemeClr val="tx2"/>
-                  </a:solidFill>
-                  <a:latin typeface="Open Sans Condensed ExtraBold" pitchFamily="2" charset="0"/>
-                  <a:ea typeface="Open Sans Condensed ExtraBold" pitchFamily="2" charset="0"/>
-                  <a:cs typeface="Open Sans Condensed ExtraBold" pitchFamily="2" charset="0"/>
-                </a:rPr>
-              </a:br>
-              <a:r>
-                <a:rPr lang="de-DE" sz="2400" b="1" dirty="0">
-                  <a:solidFill>
-                    <a:schemeClr val="tx2"/>
-                  </a:solidFill>
-                  <a:latin typeface="Open Sans Condensed ExtraBold" pitchFamily="2" charset="0"/>
-                  <a:ea typeface="Open Sans Condensed ExtraBold" pitchFamily="2" charset="0"/>
-                  <a:cs typeface="Open Sans Condensed ExtraBold" pitchFamily="2" charset="0"/>
-                </a:rPr>
-                <a:t>über Analysen </a:t>
-              </a:r>
-              <a:br>
-                <a:rPr lang="de-DE" sz="2400" b="1" dirty="0">
-                  <a:solidFill>
-                    <a:schemeClr val="tx2"/>
-                  </a:solidFill>
-                  <a:latin typeface="Open Sans Condensed ExtraBold" pitchFamily="2" charset="0"/>
-                  <a:ea typeface="Open Sans Condensed ExtraBold" pitchFamily="2" charset="0"/>
-                  <a:cs typeface="Open Sans Condensed ExtraBold" pitchFamily="2" charset="0"/>
-                </a:rPr>
-              </a:br>
-              <a:r>
-                <a:rPr lang="de-DE" sz="2400" b="1" dirty="0">
-                  <a:solidFill>
-                    <a:schemeClr val="tx2"/>
-                  </a:solidFill>
-                  <a:latin typeface="Open Sans Condensed ExtraBold" pitchFamily="2" charset="0"/>
-                  <a:ea typeface="Open Sans Condensed ExtraBold" pitchFamily="2" charset="0"/>
-                  <a:cs typeface="Open Sans Condensed ExtraBold" pitchFamily="2" charset="0"/>
-                </a:rPr>
-                <a:t>im Team</a:t>
-              </a:r>
-            </a:p>
-          </p:txBody>
-        </p:sp>
-        <p:cxnSp>
-          <p:nvCxnSpPr>
-            <p:cNvPr id="51" name="Verbinder: gewinkelt 50">
-              <a:extLst>
-                <a:ext uri="{FF2B5EF4-FFF2-40B4-BE49-F238E27FC236}">
-                  <a16:creationId xmlns:a16="http://schemas.microsoft.com/office/drawing/2014/main" id="{D87D9315-5434-6F29-A9C8-E8A715D44002}"/>
-                </a:ext>
-              </a:extLst>
-            </p:cNvPr>
-            <p:cNvCxnSpPr>
-              <a:cxnSpLocks/>
-            </p:cNvCxnSpPr>
-            <p:nvPr/>
-          </p:nvCxnSpPr>
-          <p:spPr>
-            <a:xfrm rot="10800000">
-              <a:off x="1719732" y="800565"/>
-              <a:ext cx="1417541" cy="609227"/>
-            </a:xfrm>
-            <a:prstGeom prst="bentConnector3">
-              <a:avLst>
-                <a:gd name="adj1" fmla="val 74069"/>
-              </a:avLst>
-            </a:prstGeom>
-            <a:ln>
-              <a:solidFill>
-                <a:schemeClr val="tx2"/>
-              </a:solidFill>
-            </a:ln>
           </p:spPr>
           <p:style>
             <a:lnRef idx="2">
               <a:schemeClr val="accent1"/>
             </a:lnRef>
-            <a:fillRef idx="0">
-              <a:schemeClr val="accent1"/>
+            <a:fillRef idx="1">
+              <a:schemeClr val="lt1"/>
             </a:fillRef>
-            <a:effectRef idx="1">
+            <a:effectRef idx="0">
               <a:schemeClr val="accent1"/>
             </a:effectRef>
             <a:fontRef idx="minor">
-              <a:schemeClr val="tx1"/>
+              <a:schemeClr val="dk1"/>
             </a:fontRef>
           </p:style>
-        </p:cxnSp>
+          <p:txBody>
+            <a:bodyPr wrap="none" rtlCol="0" anchor="ctr"/>
+            <a:lstStyle/>
+            <a:p>
+              <a:pPr algn="ctr"/>
+              <a:endParaRPr lang="de-DE" sz="2400" b="1" dirty="0">
+                <a:latin typeface="Open Sans Condensed ExtraBold" pitchFamily="2" charset="0"/>
+                <a:ea typeface="Open Sans Condensed ExtraBold" pitchFamily="2" charset="0"/>
+                <a:cs typeface="Open Sans Condensed ExtraBold" pitchFamily="2" charset="0"/>
+              </a:endParaRPr>
+            </a:p>
+          </p:txBody>
+        </p:sp>
+        <p:pic>
+          <p:nvPicPr>
+            <p:cNvPr id="9" name="Grafik 8">
+              <a:extLst>
+                <a:ext uri="{FF2B5EF4-FFF2-40B4-BE49-F238E27FC236}">
+                  <a16:creationId xmlns:a16="http://schemas.microsoft.com/office/drawing/2014/main" id="{4B1F80CE-D347-6E17-CEE5-F00C8E104DBF}"/>
+                </a:ext>
+              </a:extLst>
+            </p:cNvPr>
+            <p:cNvPicPr>
+              <a:picLocks noChangeAspect="1"/>
+            </p:cNvPicPr>
+            <p:nvPr/>
+          </p:nvPicPr>
+          <p:blipFill>
+            <a:blip r:embed="rId3">
+              <a:extLst>
+                <a:ext uri="{96DAC541-7B7A-43D3-8B79-37D633B846F1}">
+                  <asvg:svgBlip xmlns:asvg="http://schemas.microsoft.com/office/drawing/2016/SVG/main" r:embed="rId4"/>
+                </a:ext>
+              </a:extLst>
+            </a:blip>
+            <a:stretch>
+              <a:fillRect/>
+            </a:stretch>
+          </p:blipFill>
+          <p:spPr>
+            <a:xfrm>
+              <a:off x="496080" y="2441537"/>
+              <a:ext cx="1355110" cy="1084088"/>
+            </a:xfrm>
+            <a:prstGeom prst="rect">
+              <a:avLst/>
+            </a:prstGeom>
+          </p:spPr>
+        </p:pic>
       </p:grpSp>
+      <p:sp>
+        <p:nvSpPr>
+          <p:cNvPr id="38" name="Textfeld 37">
+            <a:extLst>
+              <a:ext uri="{FF2B5EF4-FFF2-40B4-BE49-F238E27FC236}">
+                <a16:creationId xmlns:a16="http://schemas.microsoft.com/office/drawing/2014/main" id="{531A8B11-44AA-8A58-EFE1-DFA722B057F9}"/>
+              </a:ext>
+            </a:extLst>
+          </p:cNvPr>
+          <p:cNvSpPr txBox="1"/>
+          <p:nvPr/>
+        </p:nvSpPr>
+        <p:spPr>
+          <a:xfrm>
+            <a:off x="-10336" y="688956"/>
+            <a:ext cx="2124000" cy="1200329"/>
+          </a:xfrm>
+          <a:prstGeom prst="rect">
+            <a:avLst/>
+          </a:prstGeom>
+          <a:noFill/>
+        </p:spPr>
+        <p:txBody>
+          <a:bodyPr wrap="square">
+            <a:spAutoFit/>
+          </a:bodyPr>
+          <a:lstStyle/>
+          <a:p>
+            <a:pPr algn="r"/>
+            <a:r>
+              <a:rPr lang="de-DE" sz="2400" b="1" dirty="0">
+                <a:solidFill>
+                  <a:schemeClr val="tx2"/>
+                </a:solidFill>
+                <a:latin typeface="Open Sans Condensed ExtraBold" pitchFamily="2" charset="0"/>
+                <a:ea typeface="Open Sans Condensed ExtraBold" pitchFamily="2" charset="0"/>
+                <a:cs typeface="Open Sans Condensed ExtraBold" pitchFamily="2" charset="0"/>
+              </a:rPr>
+              <a:t>Austausch</a:t>
+            </a:r>
+            <a:br>
+              <a:rPr lang="de-DE" sz="2400" b="1" dirty="0">
+                <a:solidFill>
+                  <a:schemeClr val="tx2"/>
+                </a:solidFill>
+                <a:latin typeface="Open Sans Condensed ExtraBold" pitchFamily="2" charset="0"/>
+                <a:ea typeface="Open Sans Condensed ExtraBold" pitchFamily="2" charset="0"/>
+                <a:cs typeface="Open Sans Condensed ExtraBold" pitchFamily="2" charset="0"/>
+              </a:rPr>
+            </a:br>
+            <a:r>
+              <a:rPr lang="de-DE" sz="2400" b="1" dirty="0">
+                <a:solidFill>
+                  <a:schemeClr val="tx2"/>
+                </a:solidFill>
+                <a:latin typeface="Open Sans Condensed ExtraBold" pitchFamily="2" charset="0"/>
+                <a:ea typeface="Open Sans Condensed ExtraBold" pitchFamily="2" charset="0"/>
+                <a:cs typeface="Open Sans Condensed ExtraBold" pitchFamily="2" charset="0"/>
+              </a:rPr>
+              <a:t>über Analysen </a:t>
+            </a:r>
+            <a:br>
+              <a:rPr lang="de-DE" sz="2400" b="1" dirty="0">
+                <a:solidFill>
+                  <a:schemeClr val="tx2"/>
+                </a:solidFill>
+                <a:latin typeface="Open Sans Condensed ExtraBold" pitchFamily="2" charset="0"/>
+                <a:ea typeface="Open Sans Condensed ExtraBold" pitchFamily="2" charset="0"/>
+                <a:cs typeface="Open Sans Condensed ExtraBold" pitchFamily="2" charset="0"/>
+              </a:rPr>
+            </a:br>
+            <a:r>
+              <a:rPr lang="de-DE" sz="2400" b="1" dirty="0">
+                <a:solidFill>
+                  <a:schemeClr val="tx2"/>
+                </a:solidFill>
+                <a:latin typeface="Open Sans Condensed ExtraBold" pitchFamily="2" charset="0"/>
+                <a:ea typeface="Open Sans Condensed ExtraBold" pitchFamily="2" charset="0"/>
+                <a:cs typeface="Open Sans Condensed ExtraBold" pitchFamily="2" charset="0"/>
+              </a:rPr>
+              <a:t>im Team</a:t>
+            </a:r>
+          </a:p>
+        </p:txBody>
+      </p:sp>
+      <p:cxnSp>
+        <p:nvCxnSpPr>
+          <p:cNvPr id="51" name="Verbinder: gewinkelt 50">
+            <a:extLst>
+              <a:ext uri="{FF2B5EF4-FFF2-40B4-BE49-F238E27FC236}">
+                <a16:creationId xmlns:a16="http://schemas.microsoft.com/office/drawing/2014/main" id="{D87D9315-5434-6F29-A9C8-E8A715D44002}"/>
+              </a:ext>
+            </a:extLst>
+          </p:cNvPr>
+          <p:cNvCxnSpPr>
+            <a:cxnSpLocks/>
+          </p:cNvCxnSpPr>
+          <p:nvPr/>
+        </p:nvCxnSpPr>
+        <p:spPr>
+          <a:xfrm rot="10800000">
+            <a:off x="1816511" y="675661"/>
+            <a:ext cx="1417541" cy="609227"/>
+          </a:xfrm>
+          <a:prstGeom prst="bentConnector3">
+            <a:avLst>
+              <a:gd name="adj1" fmla="val 74069"/>
+            </a:avLst>
+          </a:prstGeom>
+          <a:ln>
+            <a:solidFill>
+              <a:schemeClr val="tx2"/>
+            </a:solidFill>
+          </a:ln>
+        </p:spPr>
+        <p:style>
+          <a:lnRef idx="2">
+            <a:schemeClr val="accent1"/>
+          </a:lnRef>
+          <a:fillRef idx="0">
+            <a:schemeClr val="accent1"/>
+          </a:fillRef>
+          <a:effectRef idx="1">
+            <a:schemeClr val="accent1"/>
+          </a:effectRef>
+          <a:fontRef idx="minor">
+            <a:schemeClr val="tx1"/>
+          </a:fontRef>
+        </p:style>
+      </p:cxnSp>
       <p:cxnSp>
         <p:nvCxnSpPr>
           <p:cNvPr id="27" name="Gerader Verbinder 26">
